--- a/part1/Introduction-to-FMI.pptx
+++ b/part1/Introduction-to-FMI.pptx
@@ -444,7 +444,7 @@
               <a:pPr>
                 <a:defRPr/>
               </a:pPr>
-              <a:t>‹Nr.›</a:t>
+              <a:t>‹#›</a:t>
             </a:fld>
             <a:endParaRPr lang="de-DE" altLang="en-US"/>
           </a:p>
@@ -581,7 +581,7 @@
               <a:pPr>
                 <a:defRPr/>
               </a:pPr>
-              <a:t>6/23/2024</a:t>
+              <a:t>7/2/2024</a:t>
             </a:fld>
             <a:endParaRPr lang="en-US"/>
           </a:p>
@@ -789,7 +789,7 @@
               <a:pPr>
                 <a:defRPr/>
               </a:pPr>
-              <a:t>‹Nr.›</a:t>
+              <a:t>‹#›</a:t>
             </a:fld>
             <a:endParaRPr lang="en-US" altLang="en-US"/>
           </a:p>
@@ -2358,7 +2358,7 @@
             <a:fld id="{4898AEC0-503E-4FA4-859C-D0F72D6E3F79}" type="slidenum">
               <a:rPr lang="en-US" noProof="1" smtClean="0"/>
               <a:pPr/>
-              <a:t>‹Nr.›</a:t>
+              <a:t>‹#›</a:t>
             </a:fld>
             <a:endParaRPr lang="en-US" noProof="1"/>
           </a:p>
@@ -2951,7 +2951,7 @@
                 </a:spcBef>
                 <a:defRPr/>
               </a:pPr>
-              <a:t>‹Nr.›</a:t>
+              <a:t>‹#›</a:t>
             </a:fld>
             <a:endParaRPr lang="de-DE" altLang="en-US" sz="1000" dirty="0">
               <a:solidFill>
@@ -3675,7 +3675,7 @@
                 <a:latin typeface="+mn-lt"/>
                 <a:cs typeface="+mn-cs"/>
               </a:rPr>
-              <a:t>Presenters:</a:t>
+              <a:t>Contributors:</a:t>
             </a:r>
           </a:p>
           <a:p>
@@ -3694,6 +3694,16 @@
           <a:p>
             <a:pPr algn="ctr"/>
             <a:r>
+              <a:rPr lang="en-US" u="sng" dirty="0">
+                <a:solidFill>
+                  <a:srgbClr val="5E676E"/>
+                </a:solidFill>
+                <a:latin typeface="+mn-lt"/>
+                <a:cs typeface="+mn-cs"/>
+              </a:rPr>
+              <a:t>Christian Bertsch</a:t>
+            </a:r>
+            <a:r>
               <a:rPr lang="en-US" dirty="0">
                 <a:solidFill>
                   <a:srgbClr val="5E676E"/>
@@ -3701,11 +3711,21 @@
                 <a:latin typeface="+mn-lt"/>
                 <a:cs typeface="+mn-cs"/>
               </a:rPr>
-              <a:t>Christian Bertsch, Bosch Research</a:t>
+              <a:t>, Bosch Research</a:t>
             </a:r>
           </a:p>
           <a:p>
             <a:pPr algn="ctr"/>
+            <a:r>
+              <a:rPr lang="en-US" sz="1600" u="sng" dirty="0">
+                <a:solidFill>
+                  <a:srgbClr val="5E676E"/>
+                </a:solidFill>
+                <a:latin typeface="+mn-lt"/>
+                <a:cs typeface="+mn-cs"/>
+              </a:rPr>
+              <a:t>Claudio Gomes</a:t>
+            </a:r>
             <a:r>
               <a:rPr lang="en-US" sz="1600" dirty="0">
                 <a:solidFill>
@@ -3714,11 +3734,21 @@
                 <a:latin typeface="+mn-lt"/>
                 <a:cs typeface="+mn-cs"/>
               </a:rPr>
-              <a:t>Claudio Gomes, Aarhus University</a:t>
+              <a:t>, Aarhus University</a:t>
             </a:r>
           </a:p>
           <a:p>
             <a:pPr algn="ctr"/>
+            <a:r>
+              <a:rPr lang="en-US" sz="1600" u="sng" dirty="0">
+                <a:solidFill>
+                  <a:srgbClr val="5E676E"/>
+                </a:solidFill>
+                <a:latin typeface="+mn-lt"/>
+                <a:cs typeface="+mn-cs"/>
+              </a:rPr>
+              <a:t>Maurizio Palmieri</a:t>
+            </a:r>
             <a:r>
               <a:rPr lang="en-US" sz="1600" dirty="0">
                 <a:solidFill>
@@ -3727,7 +3757,7 @@
                 <a:latin typeface="+mn-lt"/>
                 <a:cs typeface="+mn-cs"/>
               </a:rPr>
-              <a:t>Maurizio Palmieri, University of Pisa</a:t>
+              <a:t>, University of Pisa</a:t>
             </a:r>
           </a:p>
           <a:p>
@@ -3857,7 +3887,7 @@
         <p:spPr>
           <a:xfrm>
             <a:off x="9619757" y="5961260"/>
-            <a:ext cx="4823460" cy="738664"/>
+            <a:ext cx="2077529" cy="461665"/>
           </a:xfrm>
           <a:prstGeom prst="rect">
             <a:avLst/>
@@ -3879,38 +3909,18 @@
                 <a:cs typeface="+mn-cs"/>
                 <a:hlinkClick r:id="rId5"/>
               </a:rPr>
-              <a:t>https://github.com/modelica/</a:t>
-            </a:r>
-            <a:br>
+              <a:t>https://github.com/modelica/fmi-beginners-tutorial-2024</a:t>
+            </a:r>
+            <a:r>
               <a:rPr lang="en-US" sz="1200" dirty="0">
                 <a:solidFill>
                   <a:srgbClr val="5E676E"/>
                 </a:solidFill>
                 <a:latin typeface="+mn-lt"/>
                 <a:cs typeface="+mn-cs"/>
-                <a:hlinkClick r:id="rId5"/>
               </a:rPr>
-            </a:br>
-            <a:r>
-              <a:rPr lang="en-US" sz="1200" dirty="0">
-                <a:solidFill>
-                  <a:srgbClr val="5E676E"/>
-                </a:solidFill>
-                <a:latin typeface="+mn-lt"/>
-                <a:cs typeface="+mn-cs"/>
-                <a:hlinkClick r:id="rId5"/>
-              </a:rPr>
-              <a:t>fmi-beginners-tutorial-2023/tree/main</a:t>
-            </a:r>
-            <a:endParaRPr lang="en-US" sz="1200" dirty="0">
-              <a:solidFill>
-                <a:srgbClr val="5E676E"/>
-              </a:solidFill>
-              <a:latin typeface="+mn-lt"/>
-              <a:cs typeface="+mn-cs"/>
-            </a:endParaRPr>
-          </a:p>
-          <a:p>
+              <a:t> </a:t>
+            </a:r>
             <a:endParaRPr lang="en-US" sz="1800" dirty="0">
               <a:solidFill>
                 <a:srgbClr val="5E676E"/>
@@ -20399,12 +20409,6 @@
 </file>
 
 <file path=customXml/item1.xml><?xml version="1.0" encoding="utf-8"?>
-<p:properties xmlns:p="http://schemas.microsoft.com/office/2006/metadata/properties" xmlns:xsi="http://www.w3.org/2001/XMLSchema-instance" xmlns:pc="http://schemas.microsoft.com/office/infopath/2007/PartnerControls">
-  <documentManagement/>
-</p:properties>
-</file>
-
-<file path=customXml/item2.xml><?xml version="1.0" encoding="utf-8"?>
 <ct:contentTypeSchema xmlns:ct="http://schemas.microsoft.com/office/2006/metadata/contentType" xmlns:ma="http://schemas.microsoft.com/office/2006/metadata/properties/metaAttributes" ct:_="" ma:_="" ma:contentTypeName="Document" ma:contentTypeID="0x0101004E5FCAD8E6222F478CF98AE6458717E4" ma:contentTypeVersion="0" ma:contentTypeDescription="Create a new document." ma:contentTypeScope="" ma:versionID="ae4c969974cdc097ec4092e4953e579e">
   <xsd:schema xmlns:xsd="http://www.w3.org/2001/XMLSchema" xmlns:p="http://schemas.microsoft.com/office/2006/metadata/properties" targetNamespace="http://schemas.microsoft.com/office/2006/metadata/properties" ma:root="true" ma:fieldsID="9684e7e44b4b32ae9d4fdaa413507a5d">
     <xsd:element name="properties">
@@ -20453,7 +20457,28 @@
 </ct:contentTypeSchema>
 </file>
 
+<file path=customXml/item2.xml><?xml version="1.0" encoding="utf-8"?>
+<p:properties xmlns:p="http://schemas.microsoft.com/office/2006/metadata/properties" xmlns:xsi="http://www.w3.org/2001/XMLSchema-instance" xmlns:pc="http://schemas.microsoft.com/office/infopath/2007/PartnerControls">
+  <documentManagement/>
+</p:properties>
+</file>
+
 <file path=customXml/itemProps1.xml><?xml version="1.0" encoding="utf-8"?>
+<ds:datastoreItem xmlns:ds="http://schemas.openxmlformats.org/officeDocument/2006/customXml" ds:itemID="{D6DDF4F8-48B7-40A7-A044-30F13F7F87CD}">
+  <ds:schemaRefs>
+    <ds:schemaRef ds:uri="http://schemas.microsoft.com/office/2006/metadata/contentType"/>
+    <ds:schemaRef ds:uri="http://schemas.microsoft.com/office/2006/metadata/properties/metaAttributes"/>
+    <ds:schemaRef ds:uri="http://www.w3.org/2001/XMLSchema"/>
+    <ds:schemaRef ds:uri="http://schemas.microsoft.com/office/2006/metadata/properties"/>
+    <ds:schemaRef ds:uri="http://schemas.openxmlformats.org/package/2006/metadata/core-properties"/>
+    <ds:schemaRef ds:uri="http://purl.org/dc/elements/1.1/"/>
+    <ds:schemaRef ds:uri="http://purl.org/dc/terms/"/>
+    <ds:schemaRef ds:uri="http://schemas.microsoft.com/office/internal/2005/internalDocumentation"/>
+  </ds:schemaRefs>
+</ds:datastoreItem>
+</file>
+
+<file path=customXml/itemProps2.xml><?xml version="1.0" encoding="utf-8"?>
 <ds:datastoreItem xmlns:ds="http://schemas.openxmlformats.org/officeDocument/2006/customXml" ds:itemID="{2605D1E8-C791-4C95-A083-CBF3AF871BEC}">
   <ds:schemaRefs>
     <ds:schemaRef ds:uri="http://purl.org/dc/terms/"/>
@@ -20466,19 +20491,4 @@
     <ds:schemaRef ds:uri="http://schemas.microsoft.com/office/infopath/2007/PartnerControls"/>
   </ds:schemaRefs>
 </ds:datastoreItem>
-</file>
-
-<file path=customXml/itemProps2.xml><?xml version="1.0" encoding="utf-8"?>
-<ds:datastoreItem xmlns:ds="http://schemas.openxmlformats.org/officeDocument/2006/customXml" ds:itemID="{D6DDF4F8-48B7-40A7-A044-30F13F7F87CD}">
-  <ds:schemaRefs>
-    <ds:schemaRef ds:uri="http://schemas.microsoft.com/office/2006/metadata/contentType"/>
-    <ds:schemaRef ds:uri="http://schemas.microsoft.com/office/2006/metadata/properties/metaAttributes"/>
-    <ds:schemaRef ds:uri="http://www.w3.org/2001/XMLSchema"/>
-    <ds:schemaRef ds:uri="http://schemas.microsoft.com/office/2006/metadata/properties"/>
-    <ds:schemaRef ds:uri="http://schemas.openxmlformats.org/package/2006/metadata/core-properties"/>
-    <ds:schemaRef ds:uri="http://purl.org/dc/elements/1.1/"/>
-    <ds:schemaRef ds:uri="http://purl.org/dc/terms/"/>
-    <ds:schemaRef ds:uri="http://schemas.microsoft.com/office/internal/2005/internalDocumentation"/>
-  </ds:schemaRefs>
-</ds:datastoreItem>
 </file>
--- a/part1/Introduction-to-FMI.pptx
+++ b/part1/Introduction-to-FMI.pptx
@@ -5,10 +5,10 @@
     <p:sldMasterId id="2147483649" r:id="rId3"/>
   </p:sldMasterIdLst>
   <p:notesMasterIdLst>
-    <p:notesMasterId r:id="rId34"/>
+    <p:notesMasterId r:id="rId35"/>
   </p:notesMasterIdLst>
   <p:handoutMasterIdLst>
-    <p:handoutMasterId r:id="rId35"/>
+    <p:handoutMasterId r:id="rId36"/>
   </p:handoutMasterIdLst>
   <p:sldIdLst>
     <p:sldId id="314" r:id="rId4"/>
@@ -41,6 +41,7 @@
     <p:sldId id="474" r:id="rId31"/>
     <p:sldId id="471" r:id="rId32"/>
     <p:sldId id="476" r:id="rId33"/>
+    <p:sldId id="477" r:id="rId34"/>
   </p:sldIdLst>
   <p:sldSz cx="12192000" cy="6858000"/>
   <p:notesSz cx="6858000" cy="9144000"/>
@@ -444,7 +445,7 @@
               <a:pPr>
                 <a:defRPr/>
               </a:pPr>
-              <a:t>‹#›</a:t>
+              <a:t>‹Nr.›</a:t>
             </a:fld>
             <a:endParaRPr lang="de-DE" altLang="en-US"/>
           </a:p>
@@ -789,7 +790,7 @@
               <a:pPr>
                 <a:defRPr/>
               </a:pPr>
-              <a:t>‹#›</a:t>
+              <a:t>‹Nr.›</a:t>
             </a:fld>
             <a:endParaRPr lang="en-US" altLang="en-US"/>
           </a:p>
@@ -942,6 +943,96 @@
       </p:grpSpPr>
       <p:sp>
         <p:nvSpPr>
+          <p:cNvPr id="2" name="Folienbildplatzhalter 1"/>
+          <p:cNvSpPr>
+            <a:spLocks noGrp="1" noRot="1" noChangeAspect="1"/>
+          </p:cNvSpPr>
+          <p:nvPr>
+            <p:ph type="sldImg"/>
+          </p:nvPr>
+        </p:nvSpPr>
+        <p:spPr/>
+      </p:sp>
+      <p:sp>
+        <p:nvSpPr>
+          <p:cNvPr id="3" name="Notizenplatzhalter 2"/>
+          <p:cNvSpPr>
+            <a:spLocks noGrp="1"/>
+          </p:cNvSpPr>
+          <p:nvPr>
+            <p:ph type="body" idx="1"/>
+          </p:nvPr>
+        </p:nvSpPr>
+        <p:spPr/>
+        <p:txBody>
+          <a:bodyPr/>
+          <a:lstStyle/>
+          <a:p>
+            <a:endParaRPr lang="en-US" dirty="0"/>
+          </a:p>
+        </p:txBody>
+      </p:sp>
+      <p:sp>
+        <p:nvSpPr>
+          <p:cNvPr id="4" name="Foliennummernplatzhalter 3"/>
+          <p:cNvSpPr>
+            <a:spLocks noGrp="1"/>
+          </p:cNvSpPr>
+          <p:nvPr>
+            <p:ph type="sldNum" sz="quarter" idx="5"/>
+          </p:nvPr>
+        </p:nvSpPr>
+        <p:spPr/>
+        <p:txBody>
+          <a:bodyPr/>
+          <a:lstStyle/>
+          <a:p>
+            <a:pPr>
+              <a:defRPr/>
+            </a:pPr>
+            <a:fld id="{3AB06A50-7B57-4553-B2BC-E857236DEF86}" type="slidenum">
+              <a:rPr lang="en-US" altLang="en-US" smtClean="0"/>
+              <a:pPr>
+                <a:defRPr/>
+              </a:pPr>
+              <a:t>1</a:t>
+            </a:fld>
+            <a:endParaRPr lang="en-US" altLang="en-US"/>
+          </a:p>
+        </p:txBody>
+      </p:sp>
+    </p:spTree>
+    <p:extLst>
+      <p:ext uri="{BB962C8B-B14F-4D97-AF65-F5344CB8AC3E}">
+        <p14:creationId xmlns:p14="http://schemas.microsoft.com/office/powerpoint/2010/main" val="2677568561"/>
+      </p:ext>
+    </p:extLst>
+  </p:cSld>
+  <p:clrMapOvr>
+    <a:masterClrMapping/>
+  </p:clrMapOvr>
+</p:notes>
+</file>
+
+<file path=ppt/notesSlides/notesSlide2.xml><?xml version="1.0" encoding="utf-8"?>
+<p:notes xmlns:a="http://schemas.openxmlformats.org/drawingml/2006/main" xmlns:r="http://schemas.openxmlformats.org/officeDocument/2006/relationships" xmlns:p="http://schemas.openxmlformats.org/presentationml/2006/main">
+  <p:cSld>
+    <p:spTree>
+      <p:nvGrpSpPr>
+        <p:cNvPr id="1" name=""/>
+        <p:cNvGrpSpPr/>
+        <p:nvPr/>
+      </p:nvGrpSpPr>
+      <p:grpSpPr>
+        <a:xfrm>
+          <a:off x="0" y="0"/>
+          <a:ext cx="0" cy="0"/>
+          <a:chOff x="0" y="0"/>
+          <a:chExt cx="0" cy="0"/>
+        </a:xfrm>
+      </p:grpSpPr>
+      <p:sp>
+        <p:nvSpPr>
           <p:cNvPr id="2" name="Slide Image Placeholder 1"/>
           <p:cNvSpPr>
             <a:spLocks noGrp="1" noRot="1" noChangeAspect="1"/>
@@ -1016,7 +1107,7 @@
 </p:notes>
 </file>
 
-<file path=ppt/notesSlides/notesSlide2.xml><?xml version="1.0" encoding="utf-8"?>
+<file path=ppt/notesSlides/notesSlide3.xml><?xml version="1.0" encoding="utf-8"?>
 <p:notes xmlns:a="http://schemas.openxmlformats.org/drawingml/2006/main" xmlns:r="http://schemas.openxmlformats.org/officeDocument/2006/relationships" xmlns:p="http://schemas.openxmlformats.org/presentationml/2006/main">
   <p:cSld>
     <p:spTree>
@@ -2358,7 +2449,7 @@
             <a:fld id="{4898AEC0-503E-4FA4-859C-D0F72D6E3F79}" type="slidenum">
               <a:rPr lang="en-US" noProof="1" smtClean="0"/>
               <a:pPr/>
-              <a:t>‹#›</a:t>
+              <a:t>‹Nr.›</a:t>
             </a:fld>
             <a:endParaRPr lang="en-US" noProof="1"/>
           </a:p>
@@ -2951,7 +3042,7 @@
                 </a:spcBef>
                 <a:defRPr/>
               </a:pPr>
-              <a:t>‹#›</a:t>
+              <a:t>‹Nr.›</a:t>
             </a:fld>
             <a:endParaRPr lang="de-DE" altLang="en-US" sz="1000" dirty="0">
               <a:solidFill>
@@ -3615,19 +3706,19 @@
             </a:r>
             <a:r>
               <a:rPr lang="en-US" dirty="0">
-                <a:hlinkClick r:id="rId2"/>
+                <a:hlinkClick r:id="rId3"/>
               </a:rPr>
               <a:t>Attribution-</a:t>
             </a:r>
             <a:r>
               <a:rPr lang="en-US" dirty="0" err="1">
-                <a:hlinkClick r:id="rId2"/>
+                <a:hlinkClick r:id="rId3"/>
               </a:rPr>
               <a:t>ShareAlike</a:t>
             </a:r>
             <a:r>
               <a:rPr lang="en-US" dirty="0">
-                <a:hlinkClick r:id="rId2"/>
+                <a:hlinkClick r:id="rId3"/>
               </a:rPr>
               <a:t> 4.0 International</a:t>
             </a:r>
@@ -3833,45 +3924,6 @@
           </a:p>
         </p:txBody>
       </p:sp>
-      <p:pic>
-        <p:nvPicPr>
-          <p:cNvPr id="6" name="Graphic 5">
-            <a:extLst>
-              <a:ext uri="{FF2B5EF4-FFF2-40B4-BE49-F238E27FC236}">
-                <a16:creationId xmlns:a16="http://schemas.microsoft.com/office/drawing/2014/main" id="{4AC1ACF3-7CA8-7BC6-2817-34B53BAFC44D}"/>
-              </a:ext>
-            </a:extLst>
-          </p:cNvPr>
-          <p:cNvPicPr>
-            <a:picLocks noChangeAspect="1"/>
-          </p:cNvPicPr>
-          <p:nvPr/>
-        </p:nvPicPr>
-        <p:blipFill>
-          <a:blip r:embed="rId3">
-            <a:extLst>
-              <a:ext uri="{28A0092B-C50C-407E-A947-70E740481C1C}">
-                <a14:useLocalDpi xmlns:a14="http://schemas.microsoft.com/office/drawing/2010/main" val="0"/>
-              </a:ext>
-              <a:ext uri="{96DAC541-7B7A-43D3-8B79-37D633B846F1}">
-                <asvg:svgBlip xmlns:asvg="http://schemas.microsoft.com/office/drawing/2016/SVG/main" r:embed="rId4"/>
-              </a:ext>
-            </a:extLst>
-          </a:blip>
-          <a:stretch>
-            <a:fillRect/>
-          </a:stretch>
-        </p:blipFill>
-        <p:spPr>
-          <a:xfrm>
-            <a:off x="9463623" y="3662304"/>
-            <a:ext cx="2488371" cy="2488371"/>
-          </a:xfrm>
-          <a:prstGeom prst="rect">
-            <a:avLst/>
-          </a:prstGeom>
-        </p:spPr>
-      </p:pic>
       <p:sp>
         <p:nvSpPr>
           <p:cNvPr id="7" name="TextBox 6">
@@ -3887,7 +3939,7 @@
         <p:spPr>
           <a:xfrm>
             <a:off x="9619757" y="5961260"/>
-            <a:ext cx="2077529" cy="461665"/>
+            <a:ext cx="4823460" cy="738664"/>
           </a:xfrm>
           <a:prstGeom prst="rect">
             <a:avLst/>
@@ -3907,20 +3959,40 @@
                 </a:solidFill>
                 <a:latin typeface="+mn-lt"/>
                 <a:cs typeface="+mn-cs"/>
-                <a:hlinkClick r:id="rId5"/>
+                <a:hlinkClick r:id="rId4"/>
               </a:rPr>
-              <a:t>https://github.com/modelica/fmi-beginners-tutorial-2024</a:t>
-            </a:r>
-            <a:r>
+              <a:t>https://github.com/modelica/</a:t>
+            </a:r>
+            <a:br>
               <a:rPr lang="en-US" sz="1200" dirty="0">
                 <a:solidFill>
                   <a:srgbClr val="5E676E"/>
                 </a:solidFill>
                 <a:latin typeface="+mn-lt"/>
                 <a:cs typeface="+mn-cs"/>
+                <a:hlinkClick r:id="rId4"/>
               </a:rPr>
-              <a:t> </a:t>
-            </a:r>
+            </a:br>
+            <a:r>
+              <a:rPr lang="en-US" sz="1200" dirty="0">
+                <a:solidFill>
+                  <a:srgbClr val="5E676E"/>
+                </a:solidFill>
+                <a:latin typeface="+mn-lt"/>
+                <a:cs typeface="+mn-cs"/>
+                <a:hlinkClick r:id="rId4"/>
+              </a:rPr>
+              <a:t>fmi-beginners-tutorial-2024/tree/main</a:t>
+            </a:r>
+            <a:endParaRPr lang="en-US" sz="1200" dirty="0">
+              <a:solidFill>
+                <a:srgbClr val="5E676E"/>
+              </a:solidFill>
+              <a:latin typeface="+mn-lt"/>
+              <a:cs typeface="+mn-cs"/>
+            </a:endParaRPr>
+          </a:p>
+          <a:p>
             <a:endParaRPr lang="en-US" sz="1800" dirty="0">
               <a:solidFill>
                 <a:srgbClr val="5E676E"/>
@@ -3946,7 +4018,7 @@
           <p:nvPr/>
         </p:nvPicPr>
         <p:blipFill>
-          <a:blip r:embed="rId6">
+          <a:blip r:embed="rId5">
             <a:extLst>
               <a:ext uri="{28A0092B-C50C-407E-A947-70E740481C1C}">
                 <a14:useLocalDpi xmlns:a14="http://schemas.microsoft.com/office/drawing/2010/main" val="0"/>
@@ -3961,6 +4033,45 @@
           <a:xfrm>
             <a:off x="4060354" y="910094"/>
             <a:ext cx="4071291" cy="1442990"/>
+          </a:xfrm>
+          <a:prstGeom prst="rect">
+            <a:avLst/>
+          </a:prstGeom>
+        </p:spPr>
+      </p:pic>
+      <p:pic>
+        <p:nvPicPr>
+          <p:cNvPr id="11" name="Grafik 10">
+            <a:extLst>
+              <a:ext uri="{FF2B5EF4-FFF2-40B4-BE49-F238E27FC236}">
+                <a16:creationId xmlns:a16="http://schemas.microsoft.com/office/drawing/2014/main" id="{97285DC0-C233-4B14-D5B7-A7C1834C11C6}"/>
+              </a:ext>
+            </a:extLst>
+          </p:cNvPr>
+          <p:cNvPicPr>
+            <a:picLocks noChangeAspect="1"/>
+          </p:cNvPicPr>
+          <p:nvPr/>
+        </p:nvPicPr>
+        <p:blipFill>
+          <a:blip r:embed="rId6">
+            <a:extLst>
+              <a:ext uri="{28A0092B-C50C-407E-A947-70E740481C1C}">
+                <a14:useLocalDpi xmlns:a14="http://schemas.microsoft.com/office/drawing/2010/main" val="0"/>
+              </a:ext>
+              <a:ext uri="{96DAC541-7B7A-43D3-8B79-37D633B846F1}">
+                <asvg:svgBlip xmlns:asvg="http://schemas.microsoft.com/office/drawing/2016/SVG/main" r:embed="rId7"/>
+              </a:ext>
+            </a:extLst>
+          </a:blip>
+          <a:stretch>
+            <a:fillRect/>
+          </a:stretch>
+        </p:blipFill>
+        <p:spPr>
+          <a:xfrm>
+            <a:off x="9787923" y="4049318"/>
+            <a:ext cx="1974090" cy="1974090"/>
           </a:xfrm>
           <a:prstGeom prst="rect">
             <a:avLst/>
@@ -16533,10 +16644,10 @@
       </p:sp>
       <p:sp>
         <p:nvSpPr>
-          <p:cNvPr id="6" name="TextBox 5">
+          <p:cNvPr id="7" name="TextBox 4">
             <a:extLst>
               <a:ext uri="{FF2B5EF4-FFF2-40B4-BE49-F238E27FC236}">
-                <a16:creationId xmlns:a16="http://schemas.microsoft.com/office/drawing/2014/main" id="{1C191A8C-B997-C22E-3072-39C605B73BD1}"/>
+                <a16:creationId xmlns:a16="http://schemas.microsoft.com/office/drawing/2014/main" id="{978ADD06-3B1E-7161-A229-C13B73EE0EAF}"/>
               </a:ext>
             </a:extLst>
           </p:cNvPr>
@@ -16545,8 +16656,8 @@
         </p:nvSpPr>
         <p:spPr>
           <a:xfrm>
-            <a:off x="7388793" y="4510734"/>
-            <a:ext cx="4823460" cy="369332"/>
+            <a:off x="9619757" y="3586701"/>
+            <a:ext cx="2142256" cy="369332"/>
           </a:xfrm>
           <a:prstGeom prst="rect">
             <a:avLst/>
@@ -16572,51 +16683,12 @@
           </a:p>
         </p:txBody>
       </p:sp>
-      <p:pic>
-        <p:nvPicPr>
-          <p:cNvPr id="8" name="Graphic 7">
+      <p:sp>
+        <p:nvSpPr>
+          <p:cNvPr id="10" name="TextBox 6">
             <a:extLst>
               <a:ext uri="{FF2B5EF4-FFF2-40B4-BE49-F238E27FC236}">
-                <a16:creationId xmlns:a16="http://schemas.microsoft.com/office/drawing/2014/main" id="{FF6468FD-CC0D-E690-2B25-B9AD706860FE}"/>
-              </a:ext>
-            </a:extLst>
-          </p:cNvPr>
-          <p:cNvPicPr>
-            <a:picLocks noChangeAspect="1"/>
-          </p:cNvPicPr>
-          <p:nvPr/>
-        </p:nvPicPr>
-        <p:blipFill>
-          <a:blip r:embed="rId3">
-            <a:extLst>
-              <a:ext uri="{28A0092B-C50C-407E-A947-70E740481C1C}">
-                <a14:useLocalDpi xmlns:a14="http://schemas.microsoft.com/office/drawing/2010/main" val="0"/>
-              </a:ext>
-              <a:ext uri="{96DAC541-7B7A-43D3-8B79-37D633B846F1}">
-                <asvg:svgBlip xmlns:asvg="http://schemas.microsoft.com/office/drawing/2016/SVG/main" r:embed="rId4"/>
-              </a:ext>
-            </a:extLst>
-          </a:blip>
-          <a:stretch>
-            <a:fillRect/>
-          </a:stretch>
-        </p:blipFill>
-        <p:spPr>
-          <a:xfrm>
-            <a:off x="9179492" y="2553145"/>
-            <a:ext cx="2488371" cy="2488371"/>
-          </a:xfrm>
-          <a:prstGeom prst="rect">
-            <a:avLst/>
-          </a:prstGeom>
-        </p:spPr>
-      </p:pic>
-      <p:sp>
-        <p:nvSpPr>
-          <p:cNvPr id="9" name="TextBox 8">
-            <a:extLst>
-              <a:ext uri="{FF2B5EF4-FFF2-40B4-BE49-F238E27FC236}">
-                <a16:creationId xmlns:a16="http://schemas.microsoft.com/office/drawing/2014/main" id="{9C374ED7-37BC-CF14-19AD-109D8F85F307}"/>
+                <a16:creationId xmlns:a16="http://schemas.microsoft.com/office/drawing/2014/main" id="{029415F6-21ED-FE69-17BC-A2F9B50AC688}"/>
               </a:ext>
             </a:extLst>
           </p:cNvPr>
@@ -16625,8 +16697,8 @@
         </p:nvSpPr>
         <p:spPr>
           <a:xfrm>
-            <a:off x="7388793" y="4880066"/>
-            <a:ext cx="4823460" cy="923330"/>
+            <a:off x="9619757" y="5961260"/>
+            <a:ext cx="4823460" cy="738664"/>
           </a:xfrm>
           <a:prstGeom prst="rect">
             <a:avLst/>
@@ -16640,16 +16712,46 @@
           <a:lstStyle/>
           <a:p>
             <a:r>
-              <a:rPr lang="en-US" sz="1800" dirty="0">
+              <a:rPr lang="en-US" sz="1200" dirty="0">
                 <a:solidFill>
                   <a:srgbClr val="5E676E"/>
                 </a:solidFill>
                 <a:latin typeface="+mn-lt"/>
                 <a:cs typeface="+mn-cs"/>
-                <a:hlinkClick r:id="rId5"/>
+                <a:hlinkClick r:id="rId3"/>
               </a:rPr>
-              <a:t>https://github.com/modelica/fmi-beginners-tutorial-2023/tree/main</a:t>
-            </a:r>
+              <a:t>https://github.com/modelica/</a:t>
+            </a:r>
+            <a:br>
+              <a:rPr lang="en-US" sz="1200" dirty="0">
+                <a:solidFill>
+                  <a:srgbClr val="5E676E"/>
+                </a:solidFill>
+                <a:latin typeface="+mn-lt"/>
+                <a:cs typeface="+mn-cs"/>
+                <a:hlinkClick r:id="rId3"/>
+              </a:rPr>
+            </a:br>
+            <a:r>
+              <a:rPr lang="en-US" sz="1200" dirty="0">
+                <a:solidFill>
+                  <a:srgbClr val="5E676E"/>
+                </a:solidFill>
+                <a:latin typeface="+mn-lt"/>
+                <a:cs typeface="+mn-cs"/>
+                <a:hlinkClick r:id="rId3"/>
+              </a:rPr>
+              <a:t>fmi-beginners-tutorial-2024/tree/main</a:t>
+            </a:r>
+            <a:endParaRPr lang="en-US" sz="1200" dirty="0">
+              <a:solidFill>
+                <a:srgbClr val="5E676E"/>
+              </a:solidFill>
+              <a:latin typeface="+mn-lt"/>
+              <a:cs typeface="+mn-cs"/>
+            </a:endParaRPr>
+          </a:p>
+          <a:p>
             <a:endParaRPr lang="en-US" sz="1800" dirty="0">
               <a:solidFill>
                 <a:srgbClr val="5E676E"/>
@@ -16658,17 +16760,47 @@
               <a:cs typeface="+mn-cs"/>
             </a:endParaRPr>
           </a:p>
-          <a:p>
-            <a:endParaRPr lang="en-US" sz="1800" dirty="0">
-              <a:solidFill>
-                <a:srgbClr val="5E676E"/>
-              </a:solidFill>
-              <a:latin typeface="+mn-lt"/>
-              <a:cs typeface="+mn-cs"/>
-            </a:endParaRPr>
-          </a:p>
         </p:txBody>
       </p:sp>
+      <p:pic>
+        <p:nvPicPr>
+          <p:cNvPr id="11" name="Grafik 10">
+            <a:extLst>
+              <a:ext uri="{FF2B5EF4-FFF2-40B4-BE49-F238E27FC236}">
+                <a16:creationId xmlns:a16="http://schemas.microsoft.com/office/drawing/2014/main" id="{85547DFE-87A6-5D51-B6B2-16817869D8DB}"/>
+              </a:ext>
+            </a:extLst>
+          </p:cNvPr>
+          <p:cNvPicPr>
+            <a:picLocks noChangeAspect="1"/>
+          </p:cNvPicPr>
+          <p:nvPr/>
+        </p:nvPicPr>
+        <p:blipFill>
+          <a:blip r:embed="rId4">
+            <a:extLst>
+              <a:ext uri="{28A0092B-C50C-407E-A947-70E740481C1C}">
+                <a14:useLocalDpi xmlns:a14="http://schemas.microsoft.com/office/drawing/2010/main" val="0"/>
+              </a:ext>
+              <a:ext uri="{96DAC541-7B7A-43D3-8B79-37D633B846F1}">
+                <asvg:svgBlip xmlns:asvg="http://schemas.microsoft.com/office/drawing/2016/SVG/main" r:embed="rId5"/>
+              </a:ext>
+            </a:extLst>
+          </a:blip>
+          <a:stretch>
+            <a:fillRect/>
+          </a:stretch>
+        </p:blipFill>
+        <p:spPr>
+          <a:xfrm>
+            <a:off x="9787923" y="4049318"/>
+            <a:ext cx="1974090" cy="1974090"/>
+          </a:xfrm>
+          <a:prstGeom prst="rect">
+            <a:avLst/>
+          </a:prstGeom>
+        </p:spPr>
+      </p:pic>
     </p:spTree>
     <p:extLst>
       <p:ext uri="{BB962C8B-B14F-4D97-AF65-F5344CB8AC3E}">
@@ -16821,15 +16953,7 @@
             <a:pPr marL="0" indent="0"/>
             <a:r>
               <a:rPr lang="en-US" b="1" dirty="0"/>
-              <a:t>FMU Import and </a:t>
-            </a:r>
-            <a:r>
-              <a:rPr lang="en-US" b="1" dirty="0" err="1"/>
-              <a:t>Simulionat</a:t>
-            </a:r>
-            <a:r>
-              <a:rPr lang="en-US" b="1" dirty="0"/>
-              <a:t> </a:t>
+              <a:t>FMU Import and Simulation </a:t>
             </a:r>
             <a:r>
               <a:rPr lang="en-US" dirty="0"/>
@@ -16920,6 +17044,362 @@
     <p:extLst>
       <p:ext uri="{BB962C8B-B14F-4D97-AF65-F5344CB8AC3E}">
         <p14:creationId xmlns:p14="http://schemas.microsoft.com/office/powerpoint/2010/main" val="1653237753"/>
+      </p:ext>
+    </p:extLst>
+  </p:cSld>
+  <p:clrMapOvr>
+    <a:masterClrMapping/>
+  </p:clrMapOvr>
+</p:sld>
+</file>
+
+<file path=ppt/slides/slide31.xml><?xml version="1.0" encoding="utf-8"?>
+<p:sld xmlns:a="http://schemas.openxmlformats.org/drawingml/2006/main" xmlns:r="http://schemas.openxmlformats.org/officeDocument/2006/relationships" xmlns:p="http://schemas.openxmlformats.org/presentationml/2006/main">
+  <p:cSld>
+    <p:spTree>
+      <p:nvGrpSpPr>
+        <p:cNvPr id="1" name=""/>
+        <p:cNvGrpSpPr/>
+        <p:nvPr/>
+      </p:nvGrpSpPr>
+      <p:grpSpPr>
+        <a:xfrm>
+          <a:off x="0" y="0"/>
+          <a:ext cx="0" cy="0"/>
+          <a:chOff x="0" y="0"/>
+          <a:chExt cx="0" cy="0"/>
+        </a:xfrm>
+      </p:grpSpPr>
+      <p:sp>
+        <p:nvSpPr>
+          <p:cNvPr id="2" name="Titel 1">
+            <a:extLst>
+              <a:ext uri="{FF2B5EF4-FFF2-40B4-BE49-F238E27FC236}">
+                <a16:creationId xmlns:a16="http://schemas.microsoft.com/office/drawing/2014/main" id="{2452EF79-C30F-5D83-889A-C82218744298}"/>
+              </a:ext>
+            </a:extLst>
+          </p:cNvPr>
+          <p:cNvSpPr>
+            <a:spLocks noGrp="1"/>
+          </p:cNvSpPr>
+          <p:nvPr>
+            <p:ph type="title"/>
+          </p:nvPr>
+        </p:nvSpPr>
+        <p:spPr/>
+        <p:txBody>
+          <a:bodyPr/>
+          <a:lstStyle/>
+          <a:p>
+            <a:r>
+              <a:rPr lang="en-US" dirty="0"/>
+              <a:t>FMU Import and Simulation in MATLAB Simulink</a:t>
+            </a:r>
+          </a:p>
+        </p:txBody>
+      </p:sp>
+      <p:sp>
+        <p:nvSpPr>
+          <p:cNvPr id="3" name="Textplatzhalter 2">
+            <a:extLst>
+              <a:ext uri="{FF2B5EF4-FFF2-40B4-BE49-F238E27FC236}">
+                <a16:creationId xmlns:a16="http://schemas.microsoft.com/office/drawing/2014/main" id="{05DF3BC7-623B-4ABD-AA17-6AD81BFA4CDC}"/>
+              </a:ext>
+            </a:extLst>
+          </p:cNvPr>
+          <p:cNvSpPr>
+            <a:spLocks noGrp="1"/>
+          </p:cNvSpPr>
+          <p:nvPr>
+            <p:ph type="body" sz="quarter" idx="15"/>
+          </p:nvPr>
+        </p:nvSpPr>
+        <p:spPr/>
+        <p:txBody>
+          <a:bodyPr/>
+          <a:lstStyle/>
+          <a:p>
+            <a:r>
+              <a:rPr lang="en-US"/>
+              <a:t> </a:t>
+            </a:r>
+          </a:p>
+        </p:txBody>
+      </p:sp>
+      <p:sp>
+        <p:nvSpPr>
+          <p:cNvPr id="4" name="Inhaltsplatzhalter 3">
+            <a:extLst>
+              <a:ext uri="{FF2B5EF4-FFF2-40B4-BE49-F238E27FC236}">
+                <a16:creationId xmlns:a16="http://schemas.microsoft.com/office/drawing/2014/main" id="{70B2FA31-A818-93BA-CF65-EAB8FF8F22B6}"/>
+              </a:ext>
+            </a:extLst>
+          </p:cNvPr>
+          <p:cNvSpPr>
+            <a:spLocks noGrp="1"/>
+          </p:cNvSpPr>
+          <p:nvPr>
+            <p:ph sz="quarter" idx="1"/>
+          </p:nvPr>
+        </p:nvSpPr>
+        <p:spPr/>
+        <p:txBody>
+          <a:bodyPr/>
+          <a:lstStyle/>
+          <a:p>
+            <a:pPr>
+              <a:buFont typeface="Wingdings" panose="05000000000000000000" pitchFamily="2" charset="2"/>
+              <a:buChar char="§"/>
+            </a:pPr>
+            <a:r>
+              <a:rPr lang="en-US" dirty="0"/>
+              <a:t>FMI-Kit by Dassault </a:t>
+            </a:r>
+            <a:r>
+              <a:rPr lang="en-US" dirty="0" err="1"/>
+              <a:t>Systèms</a:t>
+            </a:r>
+            <a:r>
+              <a:rPr lang="en-US" dirty="0"/>
+              <a:t> </a:t>
+            </a:r>
+            <a:br>
+              <a:rPr lang="en-US" dirty="0"/>
+            </a:br>
+            <a:r>
+              <a:rPr lang="en-US" dirty="0"/>
+              <a:t>(</a:t>
+            </a:r>
+            <a:r>
+              <a:rPr lang="en-US" dirty="0">
+                <a:hlinkClick r:id="rId2"/>
+              </a:rPr>
+              <a:t>available on </a:t>
+            </a:r>
+            <a:r>
+              <a:rPr lang="en-US" dirty="0" err="1">
+                <a:hlinkClick r:id="rId2"/>
+              </a:rPr>
+              <a:t>Github</a:t>
+            </a:r>
+            <a:r>
+              <a:rPr lang="en-US" dirty="0"/>
+              <a:t>) </a:t>
+            </a:r>
+            <a:br>
+              <a:rPr lang="en-US" dirty="0"/>
+            </a:br>
+            <a:r>
+              <a:rPr lang="en-US" dirty="0"/>
+              <a:t>for older ML/SL version</a:t>
+            </a:r>
+          </a:p>
+          <a:p>
+            <a:pPr>
+              <a:buFont typeface="Wingdings" panose="05000000000000000000" pitchFamily="2" charset="2"/>
+              <a:buChar char="§"/>
+            </a:pPr>
+            <a:endParaRPr lang="en-US" dirty="0"/>
+          </a:p>
+          <a:p>
+            <a:pPr>
+              <a:buFont typeface="Wingdings" panose="05000000000000000000" pitchFamily="2" charset="2"/>
+              <a:buChar char="§"/>
+            </a:pPr>
+            <a:endParaRPr lang="en-US" dirty="0"/>
+          </a:p>
+          <a:p>
+            <a:pPr>
+              <a:buFont typeface="Wingdings" panose="05000000000000000000" pitchFamily="2" charset="2"/>
+              <a:buChar char="§"/>
+            </a:pPr>
+            <a:endParaRPr lang="en-US" dirty="0"/>
+          </a:p>
+          <a:p>
+            <a:pPr>
+              <a:buFont typeface="Wingdings" panose="05000000000000000000" pitchFamily="2" charset="2"/>
+              <a:buChar char="§"/>
+            </a:pPr>
+            <a:endParaRPr lang="en-US" dirty="0"/>
+          </a:p>
+          <a:p>
+            <a:pPr>
+              <a:buFont typeface="Wingdings" panose="05000000000000000000" pitchFamily="2" charset="2"/>
+              <a:buChar char="§"/>
+            </a:pPr>
+            <a:r>
+              <a:rPr lang="en-US" dirty="0"/>
+              <a:t>Native FMI import by Mathworks</a:t>
+            </a:r>
+            <a:br>
+              <a:rPr lang="en-US" dirty="0"/>
+            </a:br>
+            <a:r>
+              <a:rPr lang="en-US" dirty="0"/>
+              <a:t>FMU import Block available in Simulink/extras</a:t>
+            </a:r>
+          </a:p>
+        </p:txBody>
+      </p:sp>
+      <p:pic>
+        <p:nvPicPr>
+          <p:cNvPr id="5" name="Picture 10">
+            <a:extLst>
+              <a:ext uri="{FF2B5EF4-FFF2-40B4-BE49-F238E27FC236}">
+                <a16:creationId xmlns:a16="http://schemas.microsoft.com/office/drawing/2014/main" id="{353AE519-C770-F128-AC4C-D667928D1E73}"/>
+              </a:ext>
+            </a:extLst>
+          </p:cNvPr>
+          <p:cNvPicPr>
+            <a:picLocks noChangeAspect="1"/>
+          </p:cNvPicPr>
+          <p:nvPr/>
+        </p:nvPicPr>
+        <p:blipFill>
+          <a:blip r:embed="rId3"/>
+          <a:stretch>
+            <a:fillRect/>
+          </a:stretch>
+        </p:blipFill>
+        <p:spPr>
+          <a:xfrm>
+            <a:off x="8548099" y="3999913"/>
+            <a:ext cx="3110134" cy="2127356"/>
+          </a:xfrm>
+          <a:prstGeom prst="rect">
+            <a:avLst/>
+          </a:prstGeom>
+        </p:spPr>
+      </p:pic>
+      <p:pic>
+        <p:nvPicPr>
+          <p:cNvPr id="6" name="Picture 9">
+            <a:extLst>
+              <a:ext uri="{FF2B5EF4-FFF2-40B4-BE49-F238E27FC236}">
+                <a16:creationId xmlns:a16="http://schemas.microsoft.com/office/drawing/2014/main" id="{59C185FB-90CA-360B-1449-352624469AF7}"/>
+              </a:ext>
+            </a:extLst>
+          </p:cNvPr>
+          <p:cNvPicPr>
+            <a:picLocks noChangeAspect="1"/>
+          </p:cNvPicPr>
+          <p:nvPr/>
+        </p:nvPicPr>
+        <p:blipFill>
+          <a:blip r:embed="rId4"/>
+          <a:stretch>
+            <a:fillRect/>
+          </a:stretch>
+        </p:blipFill>
+        <p:spPr>
+          <a:xfrm>
+            <a:off x="5926870" y="4026226"/>
+            <a:ext cx="2051155" cy="1714588"/>
+          </a:xfrm>
+          <a:prstGeom prst="rect">
+            <a:avLst/>
+          </a:prstGeom>
+          <a:ln>
+            <a:solidFill>
+              <a:schemeClr val="tx1"/>
+            </a:solidFill>
+          </a:ln>
+        </p:spPr>
+      </p:pic>
+      <p:pic>
+        <p:nvPicPr>
+          <p:cNvPr id="7" name="Grafik 7">
+            <a:extLst>
+              <a:ext uri="{FF2B5EF4-FFF2-40B4-BE49-F238E27FC236}">
+                <a16:creationId xmlns:a16="http://schemas.microsoft.com/office/drawing/2014/main" id="{7A00875A-75C9-3B0F-FB96-540C756A26AF}"/>
+              </a:ext>
+            </a:extLst>
+          </p:cNvPr>
+          <p:cNvPicPr>
+            <a:picLocks noChangeAspect="1"/>
+          </p:cNvPicPr>
+          <p:nvPr/>
+        </p:nvPicPr>
+        <p:blipFill>
+          <a:blip r:embed="rId5"/>
+          <a:stretch>
+            <a:fillRect/>
+          </a:stretch>
+        </p:blipFill>
+        <p:spPr>
+          <a:xfrm>
+            <a:off x="7978025" y="1519191"/>
+            <a:ext cx="1937640" cy="1567017"/>
+          </a:xfrm>
+          <a:prstGeom prst="rect">
+            <a:avLst/>
+          </a:prstGeom>
+        </p:spPr>
+      </p:pic>
+      <p:pic>
+        <p:nvPicPr>
+          <p:cNvPr id="8" name="Grafik 8">
+            <a:extLst>
+              <a:ext uri="{FF2B5EF4-FFF2-40B4-BE49-F238E27FC236}">
+                <a16:creationId xmlns:a16="http://schemas.microsoft.com/office/drawing/2014/main" id="{7830128B-820C-EB44-4EA5-25F584D5A997}"/>
+              </a:ext>
+            </a:extLst>
+          </p:cNvPr>
+          <p:cNvPicPr>
+            <a:picLocks noChangeAspect="1"/>
+          </p:cNvPicPr>
+          <p:nvPr/>
+        </p:nvPicPr>
+        <p:blipFill>
+          <a:blip r:embed="rId6"/>
+          <a:stretch>
+            <a:fillRect/>
+          </a:stretch>
+        </p:blipFill>
+        <p:spPr>
+          <a:xfrm>
+            <a:off x="5626462" y="1519191"/>
+            <a:ext cx="1984910" cy="1310731"/>
+          </a:xfrm>
+          <a:prstGeom prst="rect">
+            <a:avLst/>
+          </a:prstGeom>
+        </p:spPr>
+      </p:pic>
+      <p:pic>
+        <p:nvPicPr>
+          <p:cNvPr id="9" name="Grafik 8">
+            <a:extLst>
+              <a:ext uri="{FF2B5EF4-FFF2-40B4-BE49-F238E27FC236}">
+                <a16:creationId xmlns:a16="http://schemas.microsoft.com/office/drawing/2014/main" id="{4A4A5A1D-003C-1A8C-6FEA-445F04A9B857}"/>
+              </a:ext>
+            </a:extLst>
+          </p:cNvPr>
+          <p:cNvPicPr>
+            <a:picLocks noChangeAspect="1"/>
+          </p:cNvPicPr>
+          <p:nvPr/>
+        </p:nvPicPr>
+        <p:blipFill>
+          <a:blip r:embed="rId7"/>
+          <a:stretch>
+            <a:fillRect/>
+          </a:stretch>
+        </p:blipFill>
+        <p:spPr>
+          <a:xfrm>
+            <a:off x="10282318" y="1519191"/>
+            <a:ext cx="1497451" cy="1338897"/>
+          </a:xfrm>
+          <a:prstGeom prst="rect">
+            <a:avLst/>
+          </a:prstGeom>
+        </p:spPr>
+      </p:pic>
+    </p:spTree>
+    <p:extLst>
+      <p:ext uri="{BB962C8B-B14F-4D97-AF65-F5344CB8AC3E}">
+        <p14:creationId xmlns:p14="http://schemas.microsoft.com/office/powerpoint/2010/main" val="3309730859"/>
       </p:ext>
     </p:extLst>
   </p:cSld>
